--- a/Week_10/1조_10주차_cd_발표PPT.pptx
+++ b/Week_10/1조_10주차_cd_발표PPT.pptx
@@ -1254,6 +1254,90 @@
     <p:extLst>
       <p:ext uri="{BB962C8B-B14F-4D97-AF65-F5344CB8AC3E}">
         <p14:creationId xmlns:p14="http://schemas.microsoft.com/office/powerpoint/2010/main" val="2521321228"/>
+      </p:ext>
+    </p:extLst>
+  </p:cSld>
+  <p:clrMapOvr>
+    <a:masterClrMapping/>
+  </p:clrMapOvr>
+</p:notes>
+</file>
+
+<file path=ppt/notesSlides/notesSlide8.xml><?xml version="1.0" encoding="utf-8"?>
+<p:notes xmlns:a="http://schemas.openxmlformats.org/drawingml/2006/main" xmlns:r="http://schemas.openxmlformats.org/officeDocument/2006/relationships" xmlns:p="http://schemas.openxmlformats.org/presentationml/2006/main">
+  <p:cSld>
+    <p:spTree>
+      <p:nvGrpSpPr>
+        <p:cNvPr id="1" name=""/>
+        <p:cNvGrpSpPr/>
+        <p:nvPr/>
+      </p:nvGrpSpPr>
+      <p:grpSpPr>
+        <a:xfrm>
+          <a:off x="0" y="0"/>
+          <a:ext cx="0" cy="0"/>
+          <a:chOff x="0" y="0"/>
+          <a:chExt cx="0" cy="0"/>
+        </a:xfrm>
+      </p:grpSpPr>
+      <p:sp>
+        <p:nvSpPr>
+          <p:cNvPr id="2" name="슬라이드 이미지 개체 틀 1"/>
+          <p:cNvSpPr>
+            <a:spLocks noGrp="1" noRot="1" noChangeAspect="1"/>
+          </p:cNvSpPr>
+          <p:nvPr>
+            <p:ph type="sldImg"/>
+          </p:nvPr>
+        </p:nvSpPr>
+        <p:spPr/>
+      </p:sp>
+      <p:sp>
+        <p:nvSpPr>
+          <p:cNvPr id="3" name="슬라이드 노트 개체 틀 2"/>
+          <p:cNvSpPr>
+            <a:spLocks noGrp="1"/>
+          </p:cNvSpPr>
+          <p:nvPr>
+            <p:ph type="body" idx="1"/>
+          </p:nvPr>
+        </p:nvSpPr>
+        <p:spPr/>
+        <p:txBody>
+          <a:bodyPr/>
+          <a:lstStyle/>
+          <a:p>
+            <a:endParaRPr lang="ko-KR" altLang="en-US" dirty="0"/>
+          </a:p>
+        </p:txBody>
+      </p:sp>
+      <p:sp>
+        <p:nvSpPr>
+          <p:cNvPr id="4" name="슬라이드 번호 개체 틀 3"/>
+          <p:cNvSpPr>
+            <a:spLocks noGrp="1"/>
+          </p:cNvSpPr>
+          <p:nvPr>
+            <p:ph type="sldNum" sz="quarter" idx="10"/>
+          </p:nvPr>
+        </p:nvSpPr>
+        <p:spPr/>
+        <p:txBody>
+          <a:bodyPr/>
+          <a:lstStyle/>
+          <a:p>
+            <a:fld id="{28B37C46-DA24-43C4-9DEC-08027D33738D}" type="slidenum">
+              <a:rPr lang="ko-KR" altLang="en-US" smtClean="0"/>
+              <a:t>26</a:t>
+            </a:fld>
+            <a:endParaRPr lang="ko-KR" altLang="en-US"/>
+          </a:p>
+        </p:txBody>
+      </p:sp>
+    </p:spTree>
+    <p:extLst>
+      <p:ext uri="{BB962C8B-B14F-4D97-AF65-F5344CB8AC3E}">
+        <p14:creationId xmlns:p14="http://schemas.microsoft.com/office/powerpoint/2010/main" val="3465481406"/>
       </p:ext>
     </p:extLst>
   </p:cSld>
@@ -5583,132 +5667,6 @@
           </a:p>
         </p:txBody>
       </p:sp>
-      <p:sp>
-        <p:nvSpPr>
-          <p:cNvPr id="9" name="Rectangle 2"/>
-          <p:cNvSpPr>
-            <a:spLocks noChangeArrowheads="1"/>
-          </p:cNvSpPr>
-          <p:nvPr/>
-        </p:nvSpPr>
-        <p:spPr bwMode="auto">
-          <a:xfrm>
-            <a:off x="5513388" y="3022600"/>
-            <a:ext cx="12192000" cy="457200"/>
-          </a:xfrm>
-          <a:prstGeom prst="rect">
-            <a:avLst/>
-          </a:prstGeom>
-          <a:noFill/>
-          <a:ln>
-            <a:noFill/>
-          </a:ln>
-          <a:effectLst/>
-          <a:extLst>
-            <a:ext uri="{909E8E84-426E-40DD-AFC4-6F175D3DCCD1}">
-              <a14:hiddenFill xmlns:a14="http://schemas.microsoft.com/office/drawing/2010/main">
-                <a:solidFill>
-                  <a:schemeClr val="accent1"/>
-                </a:solidFill>
-              </a14:hiddenFill>
-            </a:ext>
-            <a:ext uri="{91240B29-F687-4F45-9708-019B960494DF}">
-              <a14:hiddenLine xmlns:a14="http://schemas.microsoft.com/office/drawing/2010/main" w="9525">
-                <a:solidFill>
-                  <a:schemeClr val="tx1"/>
-                </a:solidFill>
-                <a:miter lim="800000"/>
-                <a:headEnd/>
-                <a:tailEnd/>
-              </a14:hiddenLine>
-            </a:ext>
-            <a:ext uri="{AF507438-7753-43E0-B8FC-AC1667EBCBE1}">
-              <a14:hiddenEffects xmlns:a14="http://schemas.microsoft.com/office/drawing/2010/main">
-                <a:effectLst>
-                  <a:outerShdw dist="35921" dir="2700000" algn="ctr" rotWithShape="0">
-                    <a:schemeClr val="bg2"/>
-                  </a:outerShdw>
-                </a:effectLst>
-              </a14:hiddenEffects>
-            </a:ext>
-          </a:extLst>
-        </p:spPr>
-        <p:txBody>
-          <a:bodyPr vert="horz" wrap="none" lIns="91440" tIns="45720" rIns="91440" bIns="45720" numCol="1" anchor="ctr" anchorCtr="0" compatLnSpc="1">
-            <a:prstTxWarp prst="textNoShape">
-              <a:avLst/>
-            </a:prstTxWarp>
-            <a:spAutoFit/>
-          </a:bodyPr>
-          <a:lstStyle/>
-          <a:p>
-            <a:endParaRPr lang="ko-KR" altLang="en-US"/>
-          </a:p>
-        </p:txBody>
-      </p:sp>
-      <p:sp>
-        <p:nvSpPr>
-          <p:cNvPr id="12" name="Rectangle 3"/>
-          <p:cNvSpPr>
-            <a:spLocks noChangeArrowheads="1"/>
-          </p:cNvSpPr>
-          <p:nvPr/>
-        </p:nvSpPr>
-        <p:spPr bwMode="auto">
-          <a:xfrm>
-            <a:off x="5513388" y="3022600"/>
-            <a:ext cx="12192000" cy="457200"/>
-          </a:xfrm>
-          <a:prstGeom prst="rect">
-            <a:avLst/>
-          </a:prstGeom>
-          <a:noFill/>
-          <a:ln>
-            <a:noFill/>
-          </a:ln>
-          <a:effectLst/>
-          <a:extLst>
-            <a:ext uri="{909E8E84-426E-40DD-AFC4-6F175D3DCCD1}">
-              <a14:hiddenFill xmlns:a14="http://schemas.microsoft.com/office/drawing/2010/main">
-                <a:solidFill>
-                  <a:schemeClr val="accent1"/>
-                </a:solidFill>
-              </a14:hiddenFill>
-            </a:ext>
-            <a:ext uri="{91240B29-F687-4F45-9708-019B960494DF}">
-              <a14:hiddenLine xmlns:a14="http://schemas.microsoft.com/office/drawing/2010/main" w="9525">
-                <a:solidFill>
-                  <a:schemeClr val="tx1"/>
-                </a:solidFill>
-                <a:miter lim="800000"/>
-                <a:headEnd/>
-                <a:tailEnd/>
-              </a14:hiddenLine>
-            </a:ext>
-            <a:ext uri="{AF507438-7753-43E0-B8FC-AC1667EBCBE1}">
-              <a14:hiddenEffects xmlns:a14="http://schemas.microsoft.com/office/drawing/2010/main">
-                <a:effectLst>
-                  <a:outerShdw dist="35921" dir="2700000" algn="ctr" rotWithShape="0">
-                    <a:schemeClr val="bg2"/>
-                  </a:outerShdw>
-                </a:effectLst>
-              </a14:hiddenEffects>
-            </a:ext>
-          </a:extLst>
-        </p:spPr>
-        <p:txBody>
-          <a:bodyPr vert="horz" wrap="none" lIns="91440" tIns="45720" rIns="91440" bIns="45720" numCol="1" anchor="ctr" anchorCtr="0" compatLnSpc="1">
-            <a:prstTxWarp prst="textNoShape">
-              <a:avLst/>
-            </a:prstTxWarp>
-            <a:spAutoFit/>
-          </a:bodyPr>
-          <a:lstStyle/>
-          <a:p>
-            <a:endParaRPr lang="ko-KR" altLang="en-US"/>
-          </a:p>
-        </p:txBody>
-      </p:sp>
       <p:graphicFrame>
         <p:nvGraphicFramePr>
           <p:cNvPr id="5" name="표 7">
@@ -6882,8 +6840,8 @@
         </p:nvSpPr>
         <p:spPr>
           <a:xfrm>
-            <a:off x="773584" y="1184809"/>
-            <a:ext cx="10644831" cy="769441"/>
+            <a:off x="773584" y="1119028"/>
+            <a:ext cx="10644831" cy="1042529"/>
           </a:xfrm>
           <a:prstGeom prst="rect">
             <a:avLst/>
@@ -6896,6 +6854,11 @@
           </a:bodyPr>
           <a:lstStyle/>
           <a:p>
+            <a:pPr>
+              <a:lnSpc>
+                <a:spcPct val="150000"/>
+              </a:lnSpc>
+            </a:pPr>
             <a:r>
               <a:rPr lang="ko-KR" altLang="en-US" sz="2200" dirty="0">
                 <a:solidFill>
@@ -6910,7 +6873,7 @@
                   <a:srgbClr val="767171"/>
                 </a:solidFill>
               </a:rPr>
-              <a:t>데이터분석을 통해 사용자에게 알맞은 목욕 환경을 추천하기위해서 구글 폼 설문 </a:t>
+              <a:t>데이터분석을 통해 사용자에게 알맞은 목욕 환경을 </a:t>
             </a:r>
             <a:r>
               <a:rPr lang="ko-KR" altLang="en-US" sz="2200" dirty="0" smtClean="0">
@@ -6918,7 +6881,35 @@
                   <a:srgbClr val="767171"/>
                 </a:solidFill>
               </a:rPr>
-              <a:t>조사를 이용하여 데이터를 수집 </a:t>
+              <a:t>추천하기위해서</a:t>
+            </a:r>
+            <a:endParaRPr lang="en-US" altLang="ko-KR" sz="2200" dirty="0" smtClean="0">
+              <a:solidFill>
+                <a:srgbClr val="767171"/>
+              </a:solidFill>
+            </a:endParaRPr>
+          </a:p>
+          <a:p>
+            <a:pPr>
+              <a:lnSpc>
+                <a:spcPct val="150000"/>
+              </a:lnSpc>
+            </a:pPr>
+            <a:r>
+              <a:rPr lang="ko-KR" altLang="en-US" sz="2200" dirty="0" smtClean="0">
+                <a:solidFill>
+                  <a:srgbClr val="767171"/>
+                </a:solidFill>
+              </a:rPr>
+              <a:t>구글 폼 </a:t>
+            </a:r>
+            <a:r>
+              <a:rPr lang="ko-KR" altLang="en-US" sz="2200" dirty="0" smtClean="0">
+                <a:solidFill>
+                  <a:srgbClr val="767171"/>
+                </a:solidFill>
+              </a:rPr>
+              <a:t>설문 조사를 이용하여 데이터를 수집 </a:t>
             </a:r>
             <a:r>
               <a:rPr lang="en-US" altLang="ko-KR" dirty="0" smtClean="0">
@@ -8182,6 +8173,111 @@
           </a:p>
         </p:txBody>
       </p:sp>
+      <p:pic>
+        <p:nvPicPr>
+          <p:cNvPr id="14" name="그림 13">
+            <a:extLst>
+              <a:ext uri="{FF2B5EF4-FFF2-40B4-BE49-F238E27FC236}">
+                <a16:creationId xmlns:a16="http://schemas.microsoft.com/office/drawing/2014/main" id="{5EAAC1A0-4B0E-435F-AAE8-D7E8909ADA7F}"/>
+              </a:ext>
+            </a:extLst>
+          </p:cNvPr>
+          <p:cNvPicPr>
+            <a:picLocks noChangeAspect="1"/>
+          </p:cNvPicPr>
+          <p:nvPr/>
+        </p:nvPicPr>
+        <p:blipFill rotWithShape="1">
+          <a:blip r:embed="rId5"/>
+          <a:srcRect l="20684" t="37719" r="67576" b="59177"/>
+          <a:stretch/>
+        </p:blipFill>
+        <p:spPr>
+          <a:xfrm>
+            <a:off x="3404574" y="1532758"/>
+            <a:ext cx="4242572" cy="508091"/>
+          </a:xfrm>
+          <a:prstGeom prst="rect">
+            <a:avLst/>
+          </a:prstGeom>
+          <a:effectLst>
+            <a:softEdge rad="0"/>
+          </a:effectLst>
+        </p:spPr>
+      </p:pic>
+      <p:cxnSp>
+        <p:nvCxnSpPr>
+          <p:cNvPr id="7" name="직선 연결선 6"/>
+          <p:cNvCxnSpPr/>
+          <p:nvPr/>
+        </p:nvCxnSpPr>
+        <p:spPr>
+          <a:xfrm>
+            <a:off x="993341" y="3690493"/>
+            <a:ext cx="1318101" cy="0"/>
+          </a:xfrm>
+          <a:prstGeom prst="line">
+            <a:avLst/>
+          </a:prstGeom>
+          <a:ln w="57150">
+            <a:solidFill>
+              <a:srgbClr val="FF0000"/>
+            </a:solidFill>
+          </a:ln>
+        </p:spPr>
+        <p:style>
+          <a:lnRef idx="1">
+            <a:schemeClr val="accent1"/>
+          </a:lnRef>
+          <a:fillRef idx="0">
+            <a:schemeClr val="accent1"/>
+          </a:fillRef>
+          <a:effectRef idx="0">
+            <a:schemeClr val="accent1"/>
+          </a:effectRef>
+          <a:fontRef idx="minor">
+            <a:schemeClr val="tx1"/>
+          </a:fontRef>
+        </p:style>
+      </p:cxnSp>
+      <p:cxnSp>
+        <p:nvCxnSpPr>
+          <p:cNvPr id="9" name="구부러진 연결선 8"/>
+          <p:cNvCxnSpPr>
+            <a:endCxn id="14" idx="1"/>
+          </p:cNvCxnSpPr>
+          <p:nvPr/>
+        </p:nvCxnSpPr>
+        <p:spPr>
+          <a:xfrm rot="5400000" flipH="1" flipV="1">
+            <a:off x="1906164" y="2192083"/>
+            <a:ext cx="1903689" cy="1093132"/>
+          </a:xfrm>
+          <a:prstGeom prst="curvedConnector2">
+            <a:avLst/>
+          </a:prstGeom>
+          <a:ln w="57150">
+            <a:solidFill>
+              <a:srgbClr val="FF0000"/>
+            </a:solidFill>
+            <a:tailEnd type="triangle"/>
+          </a:ln>
+        </p:spPr>
+        <p:style>
+          <a:lnRef idx="1">
+            <a:schemeClr val="accent1"/>
+          </a:lnRef>
+          <a:fillRef idx="0">
+            <a:schemeClr val="accent1"/>
+          </a:fillRef>
+          <a:effectRef idx="0">
+            <a:schemeClr val="accent1"/>
+          </a:effectRef>
+          <a:fontRef idx="minor">
+            <a:schemeClr val="tx1"/>
+          </a:fontRef>
+        </p:style>
+      </p:cxnSp>
     </p:spTree>
     <p:extLst>
       <p:ext uri="{BB962C8B-B14F-4D97-AF65-F5344CB8AC3E}">
@@ -8694,6 +8790,109 @@
           </a:p>
         </p:txBody>
       </p:sp>
+      <p:cxnSp>
+        <p:nvCxnSpPr>
+          <p:cNvPr id="12" name="직선 연결선 11"/>
+          <p:cNvCxnSpPr/>
+          <p:nvPr/>
+        </p:nvCxnSpPr>
+        <p:spPr>
+          <a:xfrm flipV="1">
+            <a:off x="861773" y="3597022"/>
+            <a:ext cx="1622723" cy="1"/>
+          </a:xfrm>
+          <a:prstGeom prst="line">
+            <a:avLst/>
+          </a:prstGeom>
+          <a:ln w="57150">
+            <a:solidFill>
+              <a:srgbClr val="C55A11"/>
+            </a:solidFill>
+          </a:ln>
+        </p:spPr>
+        <p:style>
+          <a:lnRef idx="1">
+            <a:schemeClr val="accent1"/>
+          </a:lnRef>
+          <a:fillRef idx="0">
+            <a:schemeClr val="accent1"/>
+          </a:fillRef>
+          <a:effectRef idx="0">
+            <a:schemeClr val="accent1"/>
+          </a:effectRef>
+          <a:fontRef idx="minor">
+            <a:schemeClr val="tx1"/>
+          </a:fontRef>
+        </p:style>
+      </p:cxnSp>
+      <p:cxnSp>
+        <p:nvCxnSpPr>
+          <p:cNvPr id="13" name="구부러진 연결선 12"/>
+          <p:cNvCxnSpPr/>
+          <p:nvPr/>
+        </p:nvCxnSpPr>
+        <p:spPr>
+          <a:xfrm rot="5400000" flipH="1" flipV="1">
+            <a:off x="2058078" y="2105787"/>
+            <a:ext cx="1903689" cy="1093132"/>
+          </a:xfrm>
+          <a:prstGeom prst="curvedConnector2">
+            <a:avLst/>
+          </a:prstGeom>
+          <a:ln w="57150">
+            <a:solidFill>
+              <a:srgbClr val="C55A11"/>
+            </a:solidFill>
+            <a:tailEnd type="triangle"/>
+          </a:ln>
+        </p:spPr>
+        <p:style>
+          <a:lnRef idx="1">
+            <a:schemeClr val="accent1"/>
+          </a:lnRef>
+          <a:fillRef idx="0">
+            <a:schemeClr val="accent1"/>
+          </a:fillRef>
+          <a:effectRef idx="0">
+            <a:schemeClr val="accent1"/>
+          </a:effectRef>
+          <a:fontRef idx="minor">
+            <a:schemeClr val="tx1"/>
+          </a:fontRef>
+        </p:style>
+      </p:cxnSp>
+      <p:pic>
+        <p:nvPicPr>
+          <p:cNvPr id="17" name="그림 16">
+            <a:extLst>
+              <a:ext uri="{FF2B5EF4-FFF2-40B4-BE49-F238E27FC236}">
+                <a16:creationId xmlns:a16="http://schemas.microsoft.com/office/drawing/2014/main" id="{5EAAC1A0-4B0E-435F-AAE8-D7E8909ADA7F}"/>
+              </a:ext>
+            </a:extLst>
+          </p:cNvPr>
+          <p:cNvPicPr>
+            <a:picLocks noChangeAspect="1"/>
+          </p:cNvPicPr>
+          <p:nvPr/>
+        </p:nvPicPr>
+        <p:blipFill rotWithShape="1">
+          <a:blip r:embed="rId5"/>
+          <a:srcRect l="32396" t="37775" r="46043" b="59743"/>
+          <a:stretch/>
+        </p:blipFill>
+        <p:spPr>
+          <a:xfrm>
+            <a:off x="3577629" y="1513333"/>
+            <a:ext cx="6907544" cy="360000"/>
+          </a:xfrm>
+          <a:prstGeom prst="rect">
+            <a:avLst/>
+          </a:prstGeom>
+          <a:effectLst>
+            <a:softEdge rad="0"/>
+          </a:effectLst>
+        </p:spPr>
+      </p:pic>
     </p:spTree>
     <p:extLst>
       <p:ext uri="{BB962C8B-B14F-4D97-AF65-F5344CB8AC3E}">
@@ -9174,6 +9373,109 @@
           </a:p>
         </p:txBody>
       </p:sp>
+      <p:cxnSp>
+        <p:nvCxnSpPr>
+          <p:cNvPr id="12" name="직선 연결선 11"/>
+          <p:cNvCxnSpPr/>
+          <p:nvPr/>
+        </p:nvCxnSpPr>
+        <p:spPr>
+          <a:xfrm flipV="1">
+            <a:off x="969793" y="3420778"/>
+            <a:ext cx="1084962" cy="1"/>
+          </a:xfrm>
+          <a:prstGeom prst="line">
+            <a:avLst/>
+          </a:prstGeom>
+          <a:ln w="57150">
+            <a:solidFill>
+              <a:srgbClr val="00B050"/>
+            </a:solidFill>
+          </a:ln>
+        </p:spPr>
+        <p:style>
+          <a:lnRef idx="1">
+            <a:schemeClr val="accent1"/>
+          </a:lnRef>
+          <a:fillRef idx="0">
+            <a:schemeClr val="accent1"/>
+          </a:fillRef>
+          <a:effectRef idx="0">
+            <a:schemeClr val="accent1"/>
+          </a:effectRef>
+          <a:fontRef idx="minor">
+            <a:schemeClr val="tx1"/>
+          </a:fontRef>
+        </p:style>
+      </p:cxnSp>
+      <p:cxnSp>
+        <p:nvCxnSpPr>
+          <p:cNvPr id="14" name="구부러진 연결선 13"/>
+          <p:cNvCxnSpPr/>
+          <p:nvPr/>
+        </p:nvCxnSpPr>
+        <p:spPr>
+          <a:xfrm rot="5400000" flipH="1" flipV="1">
+            <a:off x="1649477" y="1922368"/>
+            <a:ext cx="1903689" cy="1093132"/>
+          </a:xfrm>
+          <a:prstGeom prst="curvedConnector2">
+            <a:avLst/>
+          </a:prstGeom>
+          <a:ln w="57150">
+            <a:solidFill>
+              <a:srgbClr val="00B050"/>
+            </a:solidFill>
+            <a:tailEnd type="triangle"/>
+          </a:ln>
+        </p:spPr>
+        <p:style>
+          <a:lnRef idx="1">
+            <a:schemeClr val="accent1"/>
+          </a:lnRef>
+          <a:fillRef idx="0">
+            <a:schemeClr val="accent1"/>
+          </a:fillRef>
+          <a:effectRef idx="0">
+            <a:schemeClr val="accent1"/>
+          </a:effectRef>
+          <a:fontRef idx="minor">
+            <a:schemeClr val="tx1"/>
+          </a:fontRef>
+        </p:style>
+      </p:cxnSp>
+      <p:pic>
+        <p:nvPicPr>
+          <p:cNvPr id="15" name="그림 14">
+            <a:extLst>
+              <a:ext uri="{FF2B5EF4-FFF2-40B4-BE49-F238E27FC236}">
+                <a16:creationId xmlns:a16="http://schemas.microsoft.com/office/drawing/2014/main" id="{5EAAC1A0-4B0E-435F-AAE8-D7E8909ADA7F}"/>
+              </a:ext>
+            </a:extLst>
+          </p:cNvPr>
+          <p:cNvPicPr>
+            <a:picLocks noChangeAspect="1"/>
+          </p:cNvPicPr>
+          <p:nvPr/>
+        </p:nvPicPr>
+        <p:blipFill rotWithShape="1">
+          <a:blip r:embed="rId5"/>
+          <a:srcRect l="57538" t="28632" r="29960" b="67957"/>
+          <a:stretch/>
+        </p:blipFill>
+        <p:spPr>
+          <a:xfrm>
+            <a:off x="3278419" y="1357232"/>
+            <a:ext cx="3786549" cy="468000"/>
+          </a:xfrm>
+          <a:prstGeom prst="rect">
+            <a:avLst/>
+          </a:prstGeom>
+          <a:effectLst>
+            <a:softEdge rad="0"/>
+          </a:effectLst>
+        </p:spPr>
+      </p:pic>
     </p:spTree>
     <p:extLst>
       <p:ext uri="{BB962C8B-B14F-4D97-AF65-F5344CB8AC3E}">
@@ -9638,6 +9940,109 @@
           </a:p>
         </p:txBody>
       </p:sp>
+      <p:cxnSp>
+        <p:nvCxnSpPr>
+          <p:cNvPr id="12" name="직선 연결선 11"/>
+          <p:cNvCxnSpPr/>
+          <p:nvPr/>
+        </p:nvCxnSpPr>
+        <p:spPr>
+          <a:xfrm>
+            <a:off x="911510" y="3519455"/>
+            <a:ext cx="1178891" cy="0"/>
+          </a:xfrm>
+          <a:prstGeom prst="line">
+            <a:avLst/>
+          </a:prstGeom>
+          <a:ln w="57150">
+            <a:solidFill>
+              <a:srgbClr val="00B0F0"/>
+            </a:solidFill>
+          </a:ln>
+        </p:spPr>
+        <p:style>
+          <a:lnRef idx="1">
+            <a:schemeClr val="accent1"/>
+          </a:lnRef>
+          <a:fillRef idx="0">
+            <a:schemeClr val="accent1"/>
+          </a:fillRef>
+          <a:effectRef idx="0">
+            <a:schemeClr val="accent1"/>
+          </a:effectRef>
+          <a:fontRef idx="minor">
+            <a:schemeClr val="tx1"/>
+          </a:fontRef>
+        </p:style>
+      </p:cxnSp>
+      <p:cxnSp>
+        <p:nvCxnSpPr>
+          <p:cNvPr id="14" name="구부러진 연결선 13"/>
+          <p:cNvCxnSpPr/>
+          <p:nvPr/>
+        </p:nvCxnSpPr>
+        <p:spPr>
+          <a:xfrm rot="5400000" flipH="1" flipV="1">
+            <a:off x="1685123" y="2021044"/>
+            <a:ext cx="1903689" cy="1093132"/>
+          </a:xfrm>
+          <a:prstGeom prst="curvedConnector2">
+            <a:avLst/>
+          </a:prstGeom>
+          <a:ln w="57150">
+            <a:solidFill>
+              <a:srgbClr val="00B0F0"/>
+            </a:solidFill>
+            <a:tailEnd type="triangle"/>
+          </a:ln>
+        </p:spPr>
+        <p:style>
+          <a:lnRef idx="1">
+            <a:schemeClr val="accent1"/>
+          </a:lnRef>
+          <a:fillRef idx="0">
+            <a:schemeClr val="accent1"/>
+          </a:fillRef>
+          <a:effectRef idx="0">
+            <a:schemeClr val="accent1"/>
+          </a:effectRef>
+          <a:fontRef idx="minor">
+            <a:schemeClr val="tx1"/>
+          </a:fontRef>
+        </p:style>
+      </p:cxnSp>
+      <p:pic>
+        <p:nvPicPr>
+          <p:cNvPr id="15" name="그림 14">
+            <a:extLst>
+              <a:ext uri="{FF2B5EF4-FFF2-40B4-BE49-F238E27FC236}">
+                <a16:creationId xmlns:a16="http://schemas.microsoft.com/office/drawing/2014/main" id="{5EAAC1A0-4B0E-435F-AAE8-D7E8909ADA7F}"/>
+              </a:ext>
+            </a:extLst>
+          </p:cNvPr>
+          <p:cNvPicPr>
+            <a:picLocks noChangeAspect="1"/>
+          </p:cNvPicPr>
+          <p:nvPr/>
+        </p:nvPicPr>
+        <p:blipFill rotWithShape="1">
+          <a:blip r:embed="rId5"/>
+          <a:srcRect l="71163" t="26144" r="18934" b="70910"/>
+          <a:stretch/>
+        </p:blipFill>
+        <p:spPr>
+          <a:xfrm>
+            <a:off x="3219155" y="1381765"/>
+            <a:ext cx="3473051" cy="468000"/>
+          </a:xfrm>
+          <a:prstGeom prst="rect">
+            <a:avLst/>
+          </a:prstGeom>
+          <a:effectLst>
+            <a:softEdge rad="0"/>
+          </a:effectLst>
+        </p:spPr>
+      </p:pic>
     </p:spTree>
     <p:extLst>
       <p:ext uri="{BB962C8B-B14F-4D97-AF65-F5344CB8AC3E}">
@@ -19771,7 +20176,7 @@
           <p:nvPr/>
         </p:nvPicPr>
         <p:blipFill>
-          <a:blip r:embed="rId2"/>
+          <a:blip r:embed="rId3"/>
           <a:stretch>
             <a:fillRect/>
           </a:stretch>
@@ -24200,7 +24605,33 @@
                 <a:latin typeface="맑은 고딕" panose="020B0503020000020004" pitchFamily="50" charset="-127"/>
                 <a:cs typeface="함초롬바탕" panose="02030604000101010101" pitchFamily="18" charset="-127"/>
               </a:rPr>
-              <a:t>사용자가 가장 좋아하는 환경으로 샤워를 할 수 있게</a:t>
+              <a:t>사용자가 가장 좋아하는 환경으로 </a:t>
+            </a:r>
+            <a:r>
+              <a:rPr lang="ko-KR" altLang="en-US" sz="2000" b="1" dirty="0" smtClean="0">
+                <a:solidFill>
+                  <a:schemeClr val="tx1">
+                    <a:lumMod val="50000"/>
+                    <a:lumOff val="50000"/>
+                  </a:schemeClr>
+                </a:solidFill>
+                <a:latin typeface="맑은 고딕" panose="020B0503020000020004" pitchFamily="50" charset="-127"/>
+                <a:cs typeface="함초롬바탕" panose="02030604000101010101" pitchFamily="18" charset="-127"/>
+              </a:rPr>
+              <a:t>목욕을 </a:t>
+            </a:r>
+            <a:r>
+              <a:rPr lang="ko-KR" altLang="en-US" sz="2000" b="1" dirty="0">
+                <a:solidFill>
+                  <a:schemeClr val="tx1">
+                    <a:lumMod val="50000"/>
+                    <a:lumOff val="50000"/>
+                  </a:schemeClr>
+                </a:solidFill>
+                <a:latin typeface="맑은 고딕" panose="020B0503020000020004" pitchFamily="50" charset="-127"/>
+                <a:cs typeface="함초롬바탕" panose="02030604000101010101" pitchFamily="18" charset="-127"/>
+              </a:rPr>
+              <a:t>할 수 있게</a:t>
             </a:r>
             <a:endParaRPr lang="en-US" altLang="ko-KR" sz="2000" b="1" dirty="0">
               <a:solidFill>
@@ -24929,7 +25360,7 @@
           <p:nvPr>
             <p:extLst>
               <p:ext uri="{D42A27DB-BD31-4B8C-83A1-F6EECF244321}">
-                <p14:modId xmlns:p14="http://schemas.microsoft.com/office/powerpoint/2010/main" val="2703670945"/>
+                <p14:modId xmlns:p14="http://schemas.microsoft.com/office/powerpoint/2010/main" val="1332719986"/>
               </p:ext>
             </p:extLst>
           </p:nvPr>
@@ -25502,7 +25933,7 @@
                           <a:hlinkClick r:id="rId3">
                             <a:extLst>
                               <a:ext uri="{A12FA001-AC4F-418D-AE19-62706E023703}">
-                                <ahyp:hlinkClr xmlns:ahyp="http://schemas.microsoft.com/office/drawing/2018/hyperlinkcolor" xmlns="" val="tx"/>
+                                <ahyp:hlinkClr xmlns="" xmlns:ahyp="http://schemas.microsoft.com/office/drawing/2018/hyperlinkcolor" val="tx"/>
                               </a:ext>
                             </a:extLst>
                           </a:hlinkClick>
@@ -25906,7 +26337,7 @@
                           <a:hlinkClick r:id="rId4">
                             <a:extLst>
                               <a:ext uri="{A12FA001-AC4F-418D-AE19-62706E023703}">
-                                <ahyp:hlinkClr xmlns:ahyp="http://schemas.microsoft.com/office/drawing/2018/hyperlinkcolor" xmlns="" val="tx"/>
+                                <ahyp:hlinkClr xmlns="" xmlns:ahyp="http://schemas.microsoft.com/office/drawing/2018/hyperlinkcolor" val="tx"/>
                               </a:ext>
                             </a:extLst>
                           </a:hlinkClick>
@@ -26243,24 +26674,37 @@
                             <a:srgbClr val="767171"/>
                           </a:solidFill>
                         </a:rPr>
-                        <a:t>사용자의 정보를 저장하거나</a:t>
+                        <a:t>사용자의 </a:t>
                       </a:r>
                       <a:r>
-                        <a:rPr lang="en-US" altLang="ko-KR" dirty="0">
+                        <a:rPr lang="ko-KR" altLang="en-US" dirty="0" smtClean="0">
                           <a:solidFill>
                             <a:srgbClr val="767171"/>
                           </a:solidFill>
                         </a:rPr>
-                        <a:t> </a:t>
+                        <a:t>정보나</a:t>
                       </a:r>
                       <a:r>
-                        <a:rPr lang="ko-KR" altLang="en-US" dirty="0">
+                        <a:rPr lang="en-US" altLang="ko-KR" dirty="0" smtClean="0">
                           <a:solidFill>
                             <a:srgbClr val="767171"/>
                           </a:solidFill>
                         </a:rPr>
-                        <a:t>사용자가 사용한 항목들을 저장하기 위해 사용</a:t>
+                        <a:t>, </a:t>
                       </a:r>
+                      <a:r>
+                        <a:rPr lang="ko-KR" altLang="en-US" dirty="0" smtClean="0">
+                          <a:solidFill>
+                            <a:srgbClr val="767171"/>
+                          </a:solidFill>
+                        </a:rPr>
+                        <a:t>사용자가 사용한 항목을 </a:t>
+                      </a:r>
+                      <a:endParaRPr lang="ko-KR" altLang="en-US" dirty="0">
+                        <a:solidFill>
+                          <a:srgbClr val="767171"/>
+                        </a:solidFill>
+                      </a:endParaRPr>
                     </a:p>
                   </a:txBody>
                   <a:tcPr anchor="ctr">
@@ -26326,7 +26770,7 @@
                           <a:hlinkClick r:id="rId5">
                             <a:extLst>
                               <a:ext uri="{A12FA001-AC4F-418D-AE19-62706E023703}">
-                                <ahyp:hlinkClr xmlns:ahyp="http://schemas.microsoft.com/office/drawing/2018/hyperlinkcolor" xmlns="" val="tx"/>
+                                <ahyp:hlinkClr xmlns="" xmlns:ahyp="http://schemas.microsoft.com/office/drawing/2018/hyperlinkcolor" val="tx"/>
                               </a:ext>
                             </a:extLst>
                           </a:hlinkClick>
@@ -26842,7 +27286,7 @@
                           <a:hlinkClick r:id="rId6">
                             <a:extLst>
                               <a:ext uri="{A12FA001-AC4F-418D-AE19-62706E023703}">
-                                <ahyp:hlinkClr xmlns:ahyp="http://schemas.microsoft.com/office/drawing/2018/hyperlinkcolor" xmlns="" val="tx"/>
+                                <ahyp:hlinkClr xmlns="" xmlns:ahyp="http://schemas.microsoft.com/office/drawing/2018/hyperlinkcolor" val="tx"/>
                               </a:ext>
                             </a:extLst>
                           </a:hlinkClick>
@@ -27326,7 +27770,7 @@
                           <a:hlinkClick r:id="rId7">
                             <a:extLst>
                               <a:ext uri="{A12FA001-AC4F-418D-AE19-62706E023703}">
-                                <ahyp:hlinkClr xmlns:ahyp="http://schemas.microsoft.com/office/drawing/2018/hyperlinkcolor" xmlns="" val="tx"/>
+                                <ahyp:hlinkClr xmlns="" xmlns:ahyp="http://schemas.microsoft.com/office/drawing/2018/hyperlinkcolor" val="tx"/>
                               </a:ext>
                             </a:extLst>
                           </a:hlinkClick>

--- a/Week_10/1조_10주차_cd_발표PPT.pptx
+++ b/Week_10/1조_10주차_cd_발표PPT.pptx
@@ -243,7 +243,7 @@
           <a:p>
             <a:fld id="{F708F334-0BC8-4772-BE31-097A600F09A1}" type="datetimeFigureOut">
               <a:rPr lang="ko-KR" altLang="en-US" smtClean="0"/>
-              <a:t>2020-05-27</a:t>
+              <a:t>2020-05-28</a:t>
             </a:fld>
             <a:endParaRPr lang="ko-KR" altLang="en-US"/>
           </a:p>
@@ -408,7 +408,7 @@
           <a:p>
             <a:fld id="{6C48FC29-C020-4DB6-86E3-01FBF24CFD99}" type="datetimeFigureOut">
               <a:rPr lang="ko-KR" altLang="en-US" smtClean="0"/>
-              <a:t>2020-05-27</a:t>
+              <a:t>2020-05-28</a:t>
             </a:fld>
             <a:endParaRPr lang="ko-KR" altLang="en-US"/>
           </a:p>
@@ -1494,7 +1494,7 @@
           <a:p>
             <a:fld id="{DFBB5CF1-FC4D-498E-B2DB-618EE3700C43}" type="datetimeFigureOut">
               <a:rPr lang="ko-KR" altLang="en-US" smtClean="0"/>
-              <a:t>2020-05-27</a:t>
+              <a:t>2020-05-28</a:t>
             </a:fld>
             <a:endParaRPr lang="ko-KR" altLang="en-US"/>
           </a:p>
@@ -1692,7 +1692,7 @@
           <a:p>
             <a:fld id="{DFBB5CF1-FC4D-498E-B2DB-618EE3700C43}" type="datetimeFigureOut">
               <a:rPr lang="ko-KR" altLang="en-US" smtClean="0"/>
-              <a:t>2020-05-27</a:t>
+              <a:t>2020-05-28</a:t>
             </a:fld>
             <a:endParaRPr lang="ko-KR" altLang="en-US"/>
           </a:p>
@@ -1900,7 +1900,7 @@
           <a:p>
             <a:fld id="{DFBB5CF1-FC4D-498E-B2DB-618EE3700C43}" type="datetimeFigureOut">
               <a:rPr lang="ko-KR" altLang="en-US" smtClean="0"/>
-              <a:t>2020-05-27</a:t>
+              <a:t>2020-05-28</a:t>
             </a:fld>
             <a:endParaRPr lang="ko-KR" altLang="en-US"/>
           </a:p>
@@ -2098,7 +2098,7 @@
           <a:p>
             <a:fld id="{DFBB5CF1-FC4D-498E-B2DB-618EE3700C43}" type="datetimeFigureOut">
               <a:rPr lang="ko-KR" altLang="en-US" smtClean="0"/>
-              <a:t>2020-05-27</a:t>
+              <a:t>2020-05-28</a:t>
             </a:fld>
             <a:endParaRPr lang="ko-KR" altLang="en-US"/>
           </a:p>
@@ -2373,7 +2373,7 @@
           <a:p>
             <a:fld id="{DFBB5CF1-FC4D-498E-B2DB-618EE3700C43}" type="datetimeFigureOut">
               <a:rPr lang="ko-KR" altLang="en-US" smtClean="0"/>
-              <a:t>2020-05-27</a:t>
+              <a:t>2020-05-28</a:t>
             </a:fld>
             <a:endParaRPr lang="ko-KR" altLang="en-US"/>
           </a:p>
@@ -2638,7 +2638,7 @@
           <a:p>
             <a:fld id="{DFBB5CF1-FC4D-498E-B2DB-618EE3700C43}" type="datetimeFigureOut">
               <a:rPr lang="ko-KR" altLang="en-US" smtClean="0"/>
-              <a:t>2020-05-27</a:t>
+              <a:t>2020-05-28</a:t>
             </a:fld>
             <a:endParaRPr lang="ko-KR" altLang="en-US"/>
           </a:p>
@@ -3050,7 +3050,7 @@
           <a:p>
             <a:fld id="{DFBB5CF1-FC4D-498E-B2DB-618EE3700C43}" type="datetimeFigureOut">
               <a:rPr lang="ko-KR" altLang="en-US" smtClean="0"/>
-              <a:t>2020-05-27</a:t>
+              <a:t>2020-05-28</a:t>
             </a:fld>
             <a:endParaRPr lang="ko-KR" altLang="en-US"/>
           </a:p>
@@ -3191,7 +3191,7 @@
           <a:p>
             <a:fld id="{DFBB5CF1-FC4D-498E-B2DB-618EE3700C43}" type="datetimeFigureOut">
               <a:rPr lang="ko-KR" altLang="en-US" smtClean="0"/>
-              <a:t>2020-05-27</a:t>
+              <a:t>2020-05-28</a:t>
             </a:fld>
             <a:endParaRPr lang="ko-KR" altLang="en-US"/>
           </a:p>
@@ -3304,7 +3304,7 @@
           <a:p>
             <a:fld id="{DFBB5CF1-FC4D-498E-B2DB-618EE3700C43}" type="datetimeFigureOut">
               <a:rPr lang="ko-KR" altLang="en-US" smtClean="0"/>
-              <a:t>2020-05-27</a:t>
+              <a:t>2020-05-28</a:t>
             </a:fld>
             <a:endParaRPr lang="ko-KR" altLang="en-US"/>
           </a:p>
@@ -3615,7 +3615,7 @@
           <a:p>
             <a:fld id="{DFBB5CF1-FC4D-498E-B2DB-618EE3700C43}" type="datetimeFigureOut">
               <a:rPr lang="ko-KR" altLang="en-US" smtClean="0"/>
-              <a:t>2020-05-27</a:t>
+              <a:t>2020-05-28</a:t>
             </a:fld>
             <a:endParaRPr lang="ko-KR" altLang="en-US"/>
           </a:p>
@@ -3903,7 +3903,7 @@
           <a:p>
             <a:fld id="{DFBB5CF1-FC4D-498E-B2DB-618EE3700C43}" type="datetimeFigureOut">
               <a:rPr lang="ko-KR" altLang="en-US" smtClean="0"/>
-              <a:t>2020-05-27</a:t>
+              <a:t>2020-05-28</a:t>
             </a:fld>
             <a:endParaRPr lang="ko-KR" altLang="en-US"/>
           </a:p>
@@ -4154,7 +4154,7 @@
           <a:p>
             <a:fld id="{DFBB5CF1-FC4D-498E-B2DB-618EE3700C43}" type="datetimeFigureOut">
               <a:rPr lang="ko-KR" altLang="en-US" smtClean="0"/>
-              <a:t>2020-05-27</a:t>
+              <a:t>2020-05-28</a:t>
             </a:fld>
             <a:endParaRPr lang="ko-KR" altLang="en-US"/>
           </a:p>
@@ -6873,15 +6873,7 @@
                   <a:srgbClr val="767171"/>
                 </a:solidFill>
               </a:rPr>
-              <a:t>데이터분석을 통해 사용자에게 알맞은 목욕 환경을 </a:t>
-            </a:r>
-            <a:r>
-              <a:rPr lang="ko-KR" altLang="en-US" sz="2200" dirty="0" smtClean="0">
-                <a:solidFill>
-                  <a:srgbClr val="767171"/>
-                </a:solidFill>
-              </a:rPr>
-              <a:t>추천하기위해서</a:t>
+              <a:t>데이터분석을 통해 사용자에게 알맞은 목욕 환경을 추천하기위해서</a:t>
             </a:r>
             <a:endParaRPr lang="en-US" altLang="ko-KR" sz="2200" dirty="0" smtClean="0">
               <a:solidFill>
@@ -6901,15 +6893,7 @@
                   <a:srgbClr val="767171"/>
                 </a:solidFill>
               </a:rPr>
-              <a:t>구글 폼 </a:t>
-            </a:r>
-            <a:r>
-              <a:rPr lang="ko-KR" altLang="en-US" sz="2200" dirty="0" smtClean="0">
-                <a:solidFill>
-                  <a:srgbClr val="767171"/>
-                </a:solidFill>
-              </a:rPr>
-              <a:t>설문 조사를 이용하여 데이터를 수집 </a:t>
+              <a:t>구글 폼 설문 조사를 이용하여 데이터를 수집 </a:t>
             </a:r>
             <a:r>
               <a:rPr lang="en-US" altLang="ko-KR" dirty="0" smtClean="0">
@@ -7184,7 +7168,7 @@
         </p:nvSpPr>
         <p:spPr>
           <a:xfrm>
-            <a:off x="5500651" y="661615"/>
+            <a:off x="5500651" y="652819"/>
             <a:ext cx="5278588" cy="430887"/>
           </a:xfrm>
           <a:prstGeom prst="rect">
@@ -7207,12 +7191,28 @@
               <a:t>●  </a:t>
             </a:r>
             <a:r>
+              <a:rPr lang="ko-KR" altLang="en-US" sz="2200" dirty="0" err="1" smtClean="0">
+                <a:solidFill>
+                  <a:srgbClr val="767171"/>
+                </a:solidFill>
+              </a:rPr>
+              <a:t>전처리가</a:t>
+            </a:r>
+            <a:r>
+              <a:rPr lang="ko-KR" altLang="en-US" sz="2200" dirty="0" smtClean="0">
+                <a:solidFill>
+                  <a:srgbClr val="767171"/>
+                </a:solidFill>
+              </a:rPr>
+              <a:t> 필요한 데이터 </a:t>
+            </a:r>
+            <a:r>
               <a:rPr lang="ko-KR" altLang="en-US" sz="2200" dirty="0">
                 <a:solidFill>
                   <a:srgbClr val="767171"/>
                 </a:solidFill>
               </a:rPr>
-              <a:t>형식에 맞지 않는 데이터 확인</a:t>
+              <a:t>확인</a:t>
             </a:r>
           </a:p>
         </p:txBody>
@@ -7232,7 +7232,7 @@
         <p:spPr>
           <a:xfrm>
             <a:off x="465221" y="523116"/>
-            <a:ext cx="3506704" cy="707886"/>
+            <a:ext cx="4319578" cy="707886"/>
           </a:xfrm>
           <a:prstGeom prst="rect">
             <a:avLst/>
@@ -7246,7 +7246,7 @@
           <a:lstStyle/>
           <a:p>
             <a:r>
-              <a:rPr lang="ko-KR" altLang="en-US" sz="4000" b="1" dirty="0">
+              <a:rPr lang="ko-KR" altLang="en-US" sz="4000" b="1">
                 <a:solidFill>
                   <a:schemeClr val="tx1">
                     <a:lumMod val="50000"/>
@@ -7259,7 +7259,7 @@
               <a:t>데이터 </a:t>
             </a:r>
             <a:r>
-              <a:rPr lang="ko-KR" altLang="en-US" sz="4000" b="1" dirty="0" err="1">
+              <a:rPr lang="ko-KR" altLang="en-US" sz="4000" b="1" dirty="0" err="1" smtClean="0">
                 <a:solidFill>
                   <a:schemeClr val="tx1">
                     <a:lumMod val="50000"/>
@@ -7269,7 +7269,7 @@
                 <a:latin typeface="맑은 고딕" panose="020B0503020000020004" pitchFamily="50" charset="-127"/>
                 <a:cs typeface="함초롬바탕" panose="02030604000101010101" pitchFamily="18" charset="-127"/>
               </a:rPr>
-              <a:t>전처리</a:t>
+              <a:t>수집결과</a:t>
             </a:r>
             <a:endParaRPr lang="en-US" altLang="ko-KR" sz="4000" b="1" dirty="0">
               <a:solidFill>
@@ -7967,7 +7967,39 @@
                   <a:srgbClr val="767171"/>
                 </a:solidFill>
               </a:rPr>
-              <a:t>● 데이터베이스에 넣기 위해 정수형으로 통일</a:t>
+              <a:t>● 통계 및 분석의 용이함을 </a:t>
+            </a:r>
+            <a:r>
+              <a:rPr lang="ko-KR" altLang="en-US" sz="2400" dirty="0" smtClean="0">
+                <a:solidFill>
+                  <a:srgbClr val="767171"/>
+                </a:solidFill>
+              </a:rPr>
+              <a:t>위해 </a:t>
+            </a:r>
+            <a:r>
+              <a:rPr lang="ko-KR" altLang="en-US" sz="2400" dirty="0" err="1" smtClean="0">
+                <a:solidFill>
+                  <a:srgbClr val="767171"/>
+                </a:solidFill>
+              </a:rPr>
+              <a:t>정수형으로</a:t>
+            </a:r>
+            <a:r>
+              <a:rPr lang="ko-KR" altLang="en-US" sz="2400" dirty="0" smtClean="0">
+                <a:solidFill>
+                  <a:srgbClr val="767171"/>
+                </a:solidFill>
+              </a:rPr>
+              <a:t> </a:t>
+            </a:r>
+            <a:r>
+              <a:rPr lang="ko-KR" altLang="en-US" sz="2400" dirty="0">
+                <a:solidFill>
+                  <a:srgbClr val="767171"/>
+                </a:solidFill>
+              </a:rPr>
+              <a:t>통일</a:t>
             </a:r>
           </a:p>
         </p:txBody>
@@ -10139,7 +10171,7 @@
         </p:nvSpPr>
         <p:spPr>
           <a:xfrm>
-            <a:off x="4537105" y="1209424"/>
+            <a:off x="6268994" y="1209424"/>
             <a:ext cx="3117789" cy="480330"/>
           </a:xfrm>
           <a:prstGeom prst="rect">
@@ -10172,13 +10204,18 @@
           <a:p>
             <a:pPr algn="ctr"/>
             <a:r>
-              <a:rPr lang="ko-KR" altLang="en-US" sz="2400" b="1" dirty="0">
+              <a:rPr lang="ko-KR" altLang="en-US" sz="2400" b="1" smtClean="0">
                 <a:solidFill>
                   <a:srgbClr val="767171"/>
                 </a:solidFill>
               </a:rPr>
-              <a:t>정제 완료된 모습</a:t>
-            </a:r>
+              <a:t>데이터베이스 테이블</a:t>
+            </a:r>
+            <a:endParaRPr lang="ko-KR" altLang="en-US" sz="2400" b="1" dirty="0">
+              <a:solidFill>
+                <a:srgbClr val="767171"/>
+              </a:solidFill>
+            </a:endParaRPr>
           </a:p>
         </p:txBody>
       </p:sp>
@@ -11535,7 +11572,7 @@
         <p:spPr>
           <a:xfrm>
             <a:off x="465220" y="523116"/>
-            <a:ext cx="3549567" cy="707886"/>
+            <a:ext cx="4869876" cy="707886"/>
           </a:xfrm>
           <a:prstGeom prst="rect">
             <a:avLst/>
@@ -11562,7 +11599,7 @@
               <a:t>데이터 </a:t>
             </a:r>
             <a:r>
-              <a:rPr lang="ko-KR" altLang="en-US" sz="4000" b="1" dirty="0" err="1">
+              <a:rPr lang="ko-KR" altLang="en-US" sz="4000" b="1" dirty="0" smtClean="0">
                 <a:solidFill>
                   <a:schemeClr val="tx1">
                     <a:lumMod val="50000"/>
@@ -11572,7 +11609,7 @@
                 <a:latin typeface="맑은 고딕" panose="020B0503020000020004" pitchFamily="50" charset="-127"/>
                 <a:cs typeface="함초롬바탕" panose="02030604000101010101" pitchFamily="18" charset="-127"/>
               </a:rPr>
-              <a:t>전처리</a:t>
+              <a:t>전처리 완료</a:t>
             </a:r>
             <a:endParaRPr lang="en-US" altLang="ko-KR" sz="4000" b="1" dirty="0">
               <a:solidFill>
@@ -18287,7 +18324,15 @@
                   <a:srgbClr val="767171"/>
                 </a:solidFill>
               </a:rPr>
-              <a:t>온라인 추천</a:t>
+              <a:t>온라인 </a:t>
+            </a:r>
+            <a:r>
+              <a:rPr lang="ko-KR" altLang="en-US" b="1" dirty="0" smtClean="0">
+                <a:solidFill>
+                  <a:srgbClr val="767171"/>
+                </a:solidFill>
+              </a:rPr>
+              <a:t>모드</a:t>
             </a:r>
             <a:endParaRPr lang="en-US" altLang="ko-KR" b="1" dirty="0">
               <a:solidFill>
@@ -25360,7 +25405,7 @@
           <p:nvPr>
             <p:extLst>
               <p:ext uri="{D42A27DB-BD31-4B8C-83A1-F6EECF244321}">
-                <p14:modId xmlns:p14="http://schemas.microsoft.com/office/powerpoint/2010/main" val="1332719986"/>
+                <p14:modId xmlns:p14="http://schemas.microsoft.com/office/powerpoint/2010/main" val="2453211315"/>
               </p:ext>
             </p:extLst>
           </p:nvPr>
@@ -25933,7 +25978,7 @@
                           <a:hlinkClick r:id="rId3">
                             <a:extLst>
                               <a:ext uri="{A12FA001-AC4F-418D-AE19-62706E023703}">
-                                <ahyp:hlinkClr xmlns="" xmlns:ahyp="http://schemas.microsoft.com/office/drawing/2018/hyperlinkcolor" val="tx"/>
+                                <ahyp:hlinkClr xmlns:ahyp="http://schemas.microsoft.com/office/drawing/2018/hyperlinkcolor" xmlns="" val="tx"/>
                               </a:ext>
                             </a:extLst>
                           </a:hlinkClick>
@@ -26337,7 +26382,7 @@
                           <a:hlinkClick r:id="rId4">
                             <a:extLst>
                               <a:ext uri="{A12FA001-AC4F-418D-AE19-62706E023703}">
-                                <ahyp:hlinkClr xmlns="" xmlns:ahyp="http://schemas.microsoft.com/office/drawing/2018/hyperlinkcolor" val="tx"/>
+                                <ahyp:hlinkClr xmlns:ahyp="http://schemas.microsoft.com/office/drawing/2018/hyperlinkcolor" xmlns="" val="tx"/>
                               </a:ext>
                             </a:extLst>
                           </a:hlinkClick>
@@ -26698,7 +26743,63 @@
                             <a:srgbClr val="767171"/>
                           </a:solidFill>
                         </a:rPr>
-                        <a:t>사용자가 사용한 항목을 </a:t>
+                        <a:t>사용자가 사용한 </a:t>
+                      </a:r>
+                      <a:r>
+                        <a:rPr lang="ko-KR" altLang="en-US" dirty="0" smtClean="0">
+                          <a:solidFill>
+                            <a:srgbClr val="767171"/>
+                          </a:solidFill>
+                        </a:rPr>
+                        <a:t>정보에</a:t>
+                      </a:r>
+                      <a:r>
+                        <a:rPr lang="en-US" altLang="ko-KR" baseline="0" dirty="0" smtClean="0">
+                          <a:solidFill>
+                            <a:srgbClr val="767171"/>
+                          </a:solidFill>
+                        </a:rPr>
+                        <a:t> </a:t>
+                      </a:r>
+                      <a:r>
+                        <a:rPr lang="ko-KR" altLang="en-US" baseline="0" dirty="0" smtClean="0">
+                          <a:solidFill>
+                            <a:srgbClr val="767171"/>
+                          </a:solidFill>
+                        </a:rPr>
+                        <a:t>대해 </a:t>
+                      </a:r>
+                      <a:r>
+                        <a:rPr lang="en-US" altLang="ko-KR" baseline="0" dirty="0" smtClean="0">
+                          <a:solidFill>
+                            <a:srgbClr val="767171"/>
+                          </a:solidFill>
+                        </a:rPr>
+                        <a:t>Crud(</a:t>
+                      </a:r>
+                      <a:r>
+                        <a:rPr lang="en-US" altLang="ko-KR" baseline="0" dirty="0" err="1" smtClean="0">
+                          <a:solidFill>
+                            <a:srgbClr val="767171"/>
+                          </a:solidFill>
+                        </a:rPr>
+                        <a:t>create,read,update,delete</a:t>
+                      </a:r>
+                      <a:r>
+                        <a:rPr lang="en-US" altLang="ko-KR" baseline="0" dirty="0" smtClean="0">
+                          <a:solidFill>
+                            <a:srgbClr val="767171"/>
+                          </a:solidFill>
+                        </a:rPr>
+                        <a:t>)</a:t>
+                      </a:r>
+                      <a:r>
+                        <a:rPr lang="ko-KR" altLang="en-US" baseline="0" dirty="0" smtClean="0">
+                          <a:solidFill>
+                            <a:srgbClr val="767171"/>
+                          </a:solidFill>
+                        </a:rPr>
+                        <a:t>기능을 사용하기위해</a:t>
                       </a:r>
                       <a:endParaRPr lang="ko-KR" altLang="en-US" dirty="0">
                         <a:solidFill>
@@ -26770,7 +26871,7 @@
                           <a:hlinkClick r:id="rId5">
                             <a:extLst>
                               <a:ext uri="{A12FA001-AC4F-418D-AE19-62706E023703}">
-                                <ahyp:hlinkClr xmlns="" xmlns:ahyp="http://schemas.microsoft.com/office/drawing/2018/hyperlinkcolor" val="tx"/>
+                                <ahyp:hlinkClr xmlns:ahyp="http://schemas.microsoft.com/office/drawing/2018/hyperlinkcolor" xmlns="" val="tx"/>
                               </a:ext>
                             </a:extLst>
                           </a:hlinkClick>
@@ -27286,7 +27387,7 @@
                           <a:hlinkClick r:id="rId6">
                             <a:extLst>
                               <a:ext uri="{A12FA001-AC4F-418D-AE19-62706E023703}">
-                                <ahyp:hlinkClr xmlns="" xmlns:ahyp="http://schemas.microsoft.com/office/drawing/2018/hyperlinkcolor" val="tx"/>
+                                <ahyp:hlinkClr xmlns:ahyp="http://schemas.microsoft.com/office/drawing/2018/hyperlinkcolor" xmlns="" val="tx"/>
                               </a:ext>
                             </a:extLst>
                           </a:hlinkClick>
@@ -27770,7 +27871,7 @@
                           <a:hlinkClick r:id="rId7">
                             <a:extLst>
                               <a:ext uri="{A12FA001-AC4F-418D-AE19-62706E023703}">
-                                <ahyp:hlinkClr xmlns="" xmlns:ahyp="http://schemas.microsoft.com/office/drawing/2018/hyperlinkcolor" val="tx"/>
+                                <ahyp:hlinkClr xmlns:ahyp="http://schemas.microsoft.com/office/drawing/2018/hyperlinkcolor" xmlns="" val="tx"/>
                               </a:ext>
                             </a:extLst>
                           </a:hlinkClick>
